--- a/day4/Phylogenetics/day4_alignments.pptx
+++ b/day4/Phylogenetics/day4_alignments.pptx
@@ -203,7 +203,7 @@
           <a:p>
             <a:fld id="{41295AE2-43AC-144B-AE88-DCB376799F11}" type="datetimeFigureOut">
               <a:rPr lang="en-US" smtClean="0"/>
-              <a:t>2/8/24</a:t>
+              <a:t>2/15/24</a:t>
             </a:fld>
             <a:endParaRPr lang="en-US"/>
           </a:p>
@@ -2179,7 +2179,7 @@
           <a:p>
             <a:fld id="{AF624FB1-CB24-4B4C-BFD4-AD276D9A4059}" type="datetimeFigureOut">
               <a:rPr lang="en-GB" smtClean="0"/>
-              <a:t>08/02/2024</a:t>
+              <a:t>15/02/2024</a:t>
             </a:fld>
             <a:endParaRPr lang="en-GB"/>
           </a:p>
@@ -2779,77 +2779,25 @@
           </a:bodyPr>
           <a:lstStyle/>
           <a:p>
-            <a:pPr algn="l"/>
             <a:r>
               <a:rPr lang="en-GB" dirty="0">
                 <a:solidFill>
                   <a:schemeClr val="tx2"/>
                 </a:solidFill>
               </a:rPr>
-              <a:t>A</a:t>
-            </a:r>
-            <a:r>
-              <a:rPr lang="en-GB" b="0" i="0" dirty="0">
+              <a:t>Sequence alignment is a way of arranging the sequences to identify regions of similarity </a:t>
+            </a:r>
+          </a:p>
+          <a:p>
+            <a:pPr lvl="1"/>
+            <a:r>
+              <a:rPr lang="en-GB" dirty="0">
                 <a:solidFill>
                   <a:schemeClr val="tx2"/>
                 </a:solidFill>
-                <a:effectLst/>
               </a:rPr>
-              <a:t>n alignment tries to guess how sequences are related to </a:t>
-            </a:r>
-            <a:r>
-              <a:rPr lang="en-GB" b="0" i="0" dirty="0" err="1">
-                <a:solidFill>
-                  <a:schemeClr val="tx2"/>
-                </a:solidFill>
-                <a:effectLst/>
-              </a:rPr>
-              <a:t>eachother</a:t>
-            </a:r>
-            <a:r>
-              <a:rPr lang="en-GB" b="0" i="0" dirty="0">
-                <a:solidFill>
-                  <a:schemeClr val="tx2"/>
-                </a:solidFill>
-                <a:effectLst/>
-              </a:rPr>
-              <a:t> </a:t>
-            </a:r>
-          </a:p>
-          <a:p>
-            <a:pPr lvl="1"/>
-            <a:r>
-              <a:rPr lang="en-GB" b="0" i="0" dirty="0">
-                <a:solidFill>
-                  <a:schemeClr val="tx2"/>
-                </a:solidFill>
-                <a:effectLst/>
-              </a:rPr>
-              <a:t>This way we can determine </a:t>
-            </a:r>
-            <a:r>
-              <a:rPr lang="en-GB" b="1" i="0" dirty="0">
-                <a:solidFill>
-                  <a:schemeClr val="tx2"/>
-                </a:solidFill>
-                <a:effectLst/>
-              </a:rPr>
-              <a:t>homology</a:t>
-            </a:r>
-            <a:r>
-              <a:rPr lang="en-GB" b="0" i="0" dirty="0">
-                <a:solidFill>
-                  <a:schemeClr val="tx2"/>
-                </a:solidFill>
-                <a:effectLst/>
-              </a:rPr>
-              <a:t> between sequences, i.e. the similarities between the sequences</a:t>
-            </a:r>
-          </a:p>
-          <a:p>
-            <a:pPr marL="457200" lvl="1" indent="0">
-              <a:buNone/>
-            </a:pPr>
+              <a:t>May be a consequence of functional, structural, or evolutionary relationships between the sequences</a:t>
+            </a:r>
             <a:endParaRPr lang="en-GB" b="0" i="0" dirty="0">
               <a:solidFill>
                 <a:schemeClr val="tx2"/>
@@ -3100,23 +3048,7 @@
                   <a:schemeClr val="tx2"/>
                 </a:solidFill>
               </a:rPr>
-              <a:t>We can try to see how sequences compare to </a:t>
-            </a:r>
-            <a:r>
-              <a:rPr lang="en-US" dirty="0" err="1">
-                <a:solidFill>
-                  <a:schemeClr val="tx2"/>
-                </a:solidFill>
-              </a:rPr>
-              <a:t>eachother</a:t>
-            </a:r>
-            <a:r>
-              <a:rPr lang="en-US" dirty="0">
-                <a:solidFill>
-                  <a:schemeClr val="tx2"/>
-                </a:solidFill>
-              </a:rPr>
-              <a:t>:</a:t>
+              <a:t>We can try to see how sequences compare to each other:</a:t>
             </a:r>
           </a:p>
           <a:p>
@@ -4560,14 +4492,14 @@
           </a:ln>
           <a:extLst>
             <a:ext uri="{909E8E84-426E-40dd-AFC4-6F175D3DCCD1}">
-              <a14:hiddenFill xmlns="" xmlns:a14="http://schemas.microsoft.com/office/drawing/2010/main">
+              <a14:hiddenFill xmlns:a14="http://schemas.microsoft.com/office/drawing/2010/main" xmlns="">
                 <a:solidFill>
                   <a:srgbClr val="FFFFFF"/>
                 </a:solidFill>
               </a14:hiddenFill>
             </a:ext>
             <a:ext uri="{91240B29-F687-4f45-9708-019B960494DF}">
-              <a14:hiddenLine xmlns="" xmlns:a14="http://schemas.microsoft.com/office/drawing/2010/main" w="9525">
+              <a14:hiddenLine xmlns:a14="http://schemas.microsoft.com/office/drawing/2010/main" xmlns="" w="9525">
                 <a:solidFill>
                   <a:srgbClr val="000000"/>
                 </a:solidFill>
